--- a/SistemaLTPV/ArchitectureReservations.pptx
+++ b/SistemaLTPV/ArchitectureReservations.pptx
@@ -334,7 +334,7 @@
             <a:fld id="{565624D3-503E-4324-B405-24D8B5A0D02E}" type="slidenum">
               <a:rPr lang="en-CA" smtClean="0"/>
               <a:pPr/>
-              <a:t>‹#›</a:t>
+              <a:t>‹Nº›</a:t>
             </a:fld>
             <a:endParaRPr lang="en-CA"/>
           </a:p>
@@ -501,7 +501,7 @@
             <a:fld id="{565624D3-503E-4324-B405-24D8B5A0D02E}" type="slidenum">
               <a:rPr lang="en-CA" smtClean="0"/>
               <a:pPr/>
-              <a:t>‹#›</a:t>
+              <a:t>‹Nº›</a:t>
             </a:fld>
             <a:endParaRPr lang="en-CA"/>
           </a:p>
@@ -678,7 +678,7 @@
             <a:fld id="{565624D3-503E-4324-B405-24D8B5A0D02E}" type="slidenum">
               <a:rPr lang="en-CA" smtClean="0"/>
               <a:pPr/>
-              <a:t>‹#›</a:t>
+              <a:t>‹Nº›</a:t>
             </a:fld>
             <a:endParaRPr lang="en-CA"/>
           </a:p>
@@ -845,7 +845,7 @@
             <a:fld id="{565624D3-503E-4324-B405-24D8B5A0D02E}" type="slidenum">
               <a:rPr lang="en-CA" smtClean="0"/>
               <a:pPr/>
-              <a:t>‹#›</a:t>
+              <a:t>‹Nº›</a:t>
             </a:fld>
             <a:endParaRPr lang="en-CA"/>
           </a:p>
@@ -1088,7 +1088,7 @@
             <a:fld id="{565624D3-503E-4324-B405-24D8B5A0D02E}" type="slidenum">
               <a:rPr lang="en-CA" smtClean="0"/>
               <a:pPr/>
-              <a:t>‹#›</a:t>
+              <a:t>‹Nº›</a:t>
             </a:fld>
             <a:endParaRPr lang="en-CA"/>
           </a:p>
@@ -1373,7 +1373,7 @@
             <a:fld id="{565624D3-503E-4324-B405-24D8B5A0D02E}" type="slidenum">
               <a:rPr lang="en-CA" smtClean="0"/>
               <a:pPr/>
-              <a:t>‹#›</a:t>
+              <a:t>‹Nº›</a:t>
             </a:fld>
             <a:endParaRPr lang="en-CA"/>
           </a:p>
@@ -1792,7 +1792,7 @@
             <a:fld id="{565624D3-503E-4324-B405-24D8B5A0D02E}" type="slidenum">
               <a:rPr lang="en-CA" smtClean="0"/>
               <a:pPr/>
-              <a:t>‹#›</a:t>
+              <a:t>‹Nº›</a:t>
             </a:fld>
             <a:endParaRPr lang="en-CA"/>
           </a:p>
@@ -1907,7 +1907,7 @@
             <a:fld id="{565624D3-503E-4324-B405-24D8B5A0D02E}" type="slidenum">
               <a:rPr lang="en-CA" smtClean="0"/>
               <a:pPr/>
-              <a:t>‹#›</a:t>
+              <a:t>‹Nº›</a:t>
             </a:fld>
             <a:endParaRPr lang="en-CA"/>
           </a:p>
@@ -1999,7 +1999,7 @@
             <a:fld id="{565624D3-503E-4324-B405-24D8B5A0D02E}" type="slidenum">
               <a:rPr lang="en-CA" smtClean="0"/>
               <a:pPr/>
-              <a:t>‹#›</a:t>
+              <a:t>‹Nº›</a:t>
             </a:fld>
             <a:endParaRPr lang="en-CA"/>
           </a:p>
@@ -2273,7 +2273,7 @@
             <a:fld id="{565624D3-503E-4324-B405-24D8B5A0D02E}" type="slidenum">
               <a:rPr lang="en-CA" smtClean="0"/>
               <a:pPr/>
-              <a:t>‹#›</a:t>
+              <a:t>‹Nº›</a:t>
             </a:fld>
             <a:endParaRPr lang="en-CA"/>
           </a:p>
@@ -2523,7 +2523,7 @@
             <a:fld id="{565624D3-503E-4324-B405-24D8B5A0D02E}" type="slidenum">
               <a:rPr lang="en-CA" smtClean="0"/>
               <a:pPr/>
-              <a:t>‹#›</a:t>
+              <a:t>‹Nº›</a:t>
             </a:fld>
             <a:endParaRPr lang="en-CA"/>
           </a:p>
@@ -2769,7 +2769,7 @@
             <a:fld id="{565624D3-503E-4324-B405-24D8B5A0D02E}" type="slidenum">
               <a:rPr lang="en-CA" smtClean="0"/>
               <a:pPr/>
-              <a:t>‹#›</a:t>
+              <a:t>‹Nº›</a:t>
             </a:fld>
             <a:endParaRPr lang="en-CA"/>
           </a:p>
@@ -3140,8 +3140,8 @@
               <a:t>Servidor de </a:t>
             </a:r>
             <a:r>
-              <a:rPr lang="es-MX" sz="1100" dirty="0" err="1" smtClean="0"/>
-              <a:t>Applicaciones</a:t>
+              <a:rPr lang="es-MX" sz="1100" dirty="0" smtClean="0"/>
+              <a:t>Aplicaciones</a:t>
             </a:r>
             <a:endParaRPr lang="es-MX" sz="1100" dirty="0"/>
           </a:p>
@@ -3399,12 +3399,13 @@
             </a:r>
             <a:r>
               <a:rPr lang="es-MX" sz="1100" dirty="0" err="1" smtClean="0"/>
-              <a:t>Application</a:t>
+              <a:t>Aplication</a:t>
             </a:r>
             <a:r>
               <a:rPr lang="es-MX" sz="1100" dirty="0" smtClean="0"/>
               <a:t> </a:t>
             </a:r>
+            <a:endParaRPr lang="es-MX" sz="1100" dirty="0" smtClean="0"/>
           </a:p>
           <a:p>
             <a:r>
@@ -3764,8 +3765,8 @@
               <a:t>Servidor de </a:t>
             </a:r>
             <a:r>
-              <a:rPr lang="es-MX" sz="1100" dirty="0" err="1" smtClean="0"/>
-              <a:t>Applicaciones</a:t>
+              <a:rPr lang="es-MX" sz="1100" dirty="0" smtClean="0"/>
+              <a:t>Aplicaciones</a:t>
             </a:r>
             <a:endParaRPr lang="es-MX" sz="1100" dirty="0" smtClean="0"/>
           </a:p>
@@ -3883,7 +3884,7 @@
           <a:p>
             <a:r>
               <a:rPr lang="es-MX" sz="1100" dirty="0" smtClean="0"/>
-              <a:t>Consola Administrativa</a:t>
+              <a:t>Reservaciones en Línea</a:t>
             </a:r>
             <a:endParaRPr lang="es-MX" sz="1100" dirty="0"/>
           </a:p>
@@ -4079,11 +4080,7 @@
             <a:pPr algn="ctr"/>
             <a:r>
               <a:rPr lang="es-MX" sz="1100" dirty="0" smtClean="0"/>
-              <a:t>Explorador de </a:t>
-            </a:r>
-            <a:r>
-              <a:rPr lang="es-MX" sz="1100" dirty="0" smtClean="0"/>
-              <a:t>Disponibilidad</a:t>
+              <a:t>Explorador de Disponibilidad</a:t>
             </a:r>
             <a:endParaRPr lang="es-MX" sz="1100" dirty="0"/>
           </a:p>
@@ -4438,12 +4435,12 @@
           <a:p>
             <a:pPr algn="ctr"/>
             <a:r>
-              <a:rPr lang="es-MX" sz="1100" dirty="0" err="1" smtClean="0"/>
-              <a:t>Administador</a:t>
-            </a:r>
-            <a:r>
               <a:rPr lang="es-MX" sz="1100" dirty="0" smtClean="0"/>
-              <a:t> de Usuarios y Roles</a:t>
+              <a:t>Administrador </a:t>
+            </a:r>
+            <a:r>
+              <a:rPr lang="es-MX" sz="1100" dirty="0" smtClean="0"/>
+              <a:t>de Usuarios y Roles</a:t>
             </a:r>
             <a:endParaRPr lang="es-MX" sz="1100" dirty="0"/>
           </a:p>
@@ -4735,8 +4732,8 @@
           <a:p>
             <a:pPr algn="ctr"/>
             <a:r>
-              <a:rPr lang="es-MX" sz="1100" dirty="0" err="1" smtClean="0"/>
-              <a:t>Reservacion</a:t>
+              <a:rPr lang="es-MX" sz="1100" dirty="0" smtClean="0"/>
+              <a:t>Reservación</a:t>
             </a:r>
             <a:endParaRPr lang="es-MX" sz="1100" dirty="0"/>
           </a:p>
@@ -4777,12 +4774,12 @@
           <a:p>
             <a:pPr algn="ctr"/>
             <a:r>
-              <a:rPr lang="es-MX" sz="1100" dirty="0" err="1" smtClean="0"/>
-              <a:t>Processamiento</a:t>
-            </a:r>
-            <a:r>
               <a:rPr lang="es-MX" sz="1100" dirty="0" smtClean="0"/>
-              <a:t> de pagos</a:t>
+              <a:t>Procesamiento </a:t>
+            </a:r>
+            <a:r>
+              <a:rPr lang="es-MX" sz="1100" dirty="0" smtClean="0"/>
+              <a:t>de pagos</a:t>
             </a:r>
             <a:endParaRPr lang="es-MX" sz="1100" dirty="0"/>
           </a:p>
@@ -5006,12 +5003,12 @@
           <a:p>
             <a:pPr algn="ctr"/>
             <a:r>
-              <a:rPr lang="es-MX" sz="1100" dirty="0" err="1" smtClean="0"/>
-              <a:t>Administador</a:t>
-            </a:r>
-            <a:r>
               <a:rPr lang="es-MX" sz="1100" dirty="0" smtClean="0"/>
-              <a:t> de Unidades</a:t>
+              <a:t>Administrador </a:t>
+            </a:r>
+            <a:r>
+              <a:rPr lang="es-MX" sz="1100" dirty="0" smtClean="0"/>
+              <a:t>de Unidades</a:t>
             </a:r>
             <a:endParaRPr lang="es-MX" sz="1100" dirty="0"/>
           </a:p>
@@ -5052,12 +5049,12 @@
           <a:p>
             <a:pPr algn="ctr"/>
             <a:r>
-              <a:rPr lang="es-MX" sz="1100" dirty="0" err="1" smtClean="0"/>
-              <a:t>Administador</a:t>
-            </a:r>
-            <a:r>
               <a:rPr lang="es-MX" sz="1100" dirty="0" smtClean="0"/>
-              <a:t> de </a:t>
+              <a:t>Administrador </a:t>
+            </a:r>
+            <a:r>
+              <a:rPr lang="es-MX" sz="1100" dirty="0" smtClean="0"/>
+              <a:t>de </a:t>
             </a:r>
             <a:r>
               <a:rPr lang="es-MX" sz="1100" dirty="0" err="1" smtClean="0"/>
@@ -5186,8 +5183,8 @@
           <a:p>
             <a:pPr algn="ctr"/>
             <a:r>
-              <a:rPr lang="es-MX" sz="1100" dirty="0" err="1" smtClean="0"/>
-              <a:t>Reservacion</a:t>
+              <a:rPr lang="es-MX" sz="1100" dirty="0" smtClean="0"/>
+              <a:t>Reservación</a:t>
             </a:r>
             <a:endParaRPr lang="es-MX" sz="1100" dirty="0"/>
           </a:p>
@@ -5484,7 +5481,7 @@
         </p:nvSpPr>
         <p:spPr>
           <a:xfrm>
-            <a:off x="500034" y="2571744"/>
+            <a:off x="357158" y="2571744"/>
             <a:ext cx="1000132" cy="571504"/>
           </a:xfrm>
           <a:prstGeom prst="roundRect">
@@ -5554,7 +5551,7 @@
             <a:pPr algn="ctr"/>
             <a:r>
               <a:rPr lang="es-MX" sz="1100" dirty="0" smtClean="0"/>
-              <a:t>Localizador de servicios</a:t>
+              <a:t>Control de Acceso</a:t>
             </a:r>
             <a:endParaRPr lang="es-MX" sz="1100" dirty="0"/>
           </a:p>
@@ -5610,7 +5607,7 @@
         </p:nvSpPr>
         <p:spPr>
           <a:xfrm>
-            <a:off x="500034" y="3786190"/>
+            <a:off x="357158" y="3786190"/>
             <a:ext cx="1071570" cy="428628"/>
           </a:xfrm>
           <a:prstGeom prst="roundRect">
@@ -5619,6 +5616,95 @@
         </p:spPr>
         <p:style>
           <a:lnRef idx="0">
+            <a:schemeClr val="accent6"/>
+          </a:lnRef>
+          <a:fillRef idx="3">
+            <a:schemeClr val="accent6"/>
+          </a:fillRef>
+          <a:effectRef idx="3">
+            <a:schemeClr val="accent6"/>
+          </a:effectRef>
+          <a:fontRef idx="minor">
+            <a:schemeClr val="lt1"/>
+          </a:fontRef>
+        </p:style>
+        <p:txBody>
+          <a:bodyPr rtlCol="0" anchor="ctr"/>
+          <a:lstStyle/>
+          <a:p>
+            <a:pPr algn="ctr"/>
+            <a:r>
+              <a:rPr lang="es-MX" sz="1100" dirty="0" smtClean="0"/>
+              <a:t>Reservaciones</a:t>
+            </a:r>
+          </a:p>
+          <a:p>
+            <a:pPr algn="ctr"/>
+            <a:r>
+              <a:rPr lang="es-MX" sz="1100" dirty="0" smtClean="0"/>
+              <a:t>En línea</a:t>
+            </a:r>
+          </a:p>
+        </p:txBody>
+      </p:sp>
+      <p:sp>
+        <p:nvSpPr>
+          <p:cNvPr id="9" name="Rounded Rectangle 8"/>
+          <p:cNvSpPr/>
+          <p:nvPr/>
+        </p:nvSpPr>
+        <p:spPr>
+          <a:xfrm>
+            <a:off x="3428992" y="3786190"/>
+            <a:ext cx="1071570" cy="428628"/>
+          </a:xfrm>
+          <a:prstGeom prst="roundRect">
+            <a:avLst/>
+          </a:prstGeom>
+        </p:spPr>
+        <p:style>
+          <a:lnRef idx="0">
+            <a:schemeClr val="accent6"/>
+          </a:lnRef>
+          <a:fillRef idx="3">
+            <a:schemeClr val="accent6"/>
+          </a:fillRef>
+          <a:effectRef idx="3">
+            <a:schemeClr val="accent6"/>
+          </a:effectRef>
+          <a:fontRef idx="minor">
+            <a:schemeClr val="lt1"/>
+          </a:fontRef>
+        </p:style>
+        <p:txBody>
+          <a:bodyPr rtlCol="0" anchor="ctr"/>
+          <a:lstStyle/>
+          <a:p>
+            <a:pPr algn="ctr"/>
+            <a:r>
+              <a:rPr lang="es-MX" sz="1100" dirty="0" smtClean="0"/>
+              <a:t>API Reservaciones</a:t>
+            </a:r>
+          </a:p>
+        </p:txBody>
+      </p:sp>
+      <p:sp>
+        <p:nvSpPr>
+          <p:cNvPr id="10" name="Rounded Rectangle 9"/>
+          <p:cNvSpPr/>
+          <p:nvPr/>
+        </p:nvSpPr>
+        <p:spPr>
+          <a:xfrm>
+            <a:off x="4500562" y="2571744"/>
+            <a:ext cx="1214446" cy="571504"/>
+          </a:xfrm>
+          <a:prstGeom prst="roundRect">
+            <a:avLst/>
+          </a:prstGeom>
+        </p:spPr>
+        <p:style>
+          <a:lnRef idx="0">
             <a:schemeClr val="accent3"/>
           </a:lnRef>
           <a:fillRef idx="3">
@@ -5638,105 +5724,6 @@
             <a:pPr algn="ctr"/>
             <a:r>
               <a:rPr lang="es-MX" sz="1100" dirty="0" smtClean="0"/>
-              <a:t>Reservaciones</a:t>
-            </a:r>
-          </a:p>
-          <a:p>
-            <a:pPr algn="ctr"/>
-            <a:r>
-              <a:rPr lang="es-MX" sz="1100" dirty="0" smtClean="0"/>
-              <a:t>En </a:t>
-            </a:r>
-            <a:r>
-              <a:rPr lang="es-MX" sz="1100" dirty="0" smtClean="0"/>
-              <a:t>línea</a:t>
-            </a:r>
-            <a:endParaRPr lang="es-MX" sz="1100" dirty="0" smtClean="0"/>
-          </a:p>
-        </p:txBody>
-      </p:sp>
-      <p:sp>
-        <p:nvSpPr>
-          <p:cNvPr id="9" name="Rounded Rectangle 8"/>
-          <p:cNvSpPr/>
-          <p:nvPr/>
-        </p:nvSpPr>
-        <p:spPr>
-          <a:xfrm>
-            <a:off x="1928794" y="3786190"/>
-            <a:ext cx="1071570" cy="428628"/>
-          </a:xfrm>
-          <a:prstGeom prst="roundRect">
-            <a:avLst/>
-          </a:prstGeom>
-        </p:spPr>
-        <p:style>
-          <a:lnRef idx="0">
-            <a:schemeClr val="accent6"/>
-          </a:lnRef>
-          <a:fillRef idx="3">
-            <a:schemeClr val="accent6"/>
-          </a:fillRef>
-          <a:effectRef idx="3">
-            <a:schemeClr val="accent6"/>
-          </a:effectRef>
-          <a:fontRef idx="minor">
-            <a:schemeClr val="lt1"/>
-          </a:fontRef>
-        </p:style>
-        <p:txBody>
-          <a:bodyPr rtlCol="0" anchor="ctr"/>
-          <a:lstStyle/>
-          <a:p>
-            <a:pPr algn="ctr"/>
-            <a:r>
-              <a:rPr lang="es-MX" sz="1100" dirty="0" smtClean="0"/>
-              <a:t>API </a:t>
-            </a:r>
-            <a:r>
-              <a:rPr lang="es-MX" sz="1100" dirty="0" smtClean="0"/>
-              <a:t>Reservaciones</a:t>
-            </a:r>
-            <a:endParaRPr lang="es-MX" sz="1100" dirty="0" smtClean="0"/>
-          </a:p>
-        </p:txBody>
-      </p:sp>
-      <p:sp>
-        <p:nvSpPr>
-          <p:cNvPr id="10" name="Rounded Rectangle 9"/>
-          <p:cNvSpPr/>
-          <p:nvPr/>
-        </p:nvSpPr>
-        <p:spPr>
-          <a:xfrm>
-            <a:off x="4500562" y="2571744"/>
-            <a:ext cx="1214446" cy="571504"/>
-          </a:xfrm>
-          <a:prstGeom prst="roundRect">
-            <a:avLst/>
-          </a:prstGeom>
-        </p:spPr>
-        <p:style>
-          <a:lnRef idx="0">
-            <a:schemeClr val="accent3"/>
-          </a:lnRef>
-          <a:fillRef idx="3">
-            <a:schemeClr val="accent3"/>
-          </a:fillRef>
-          <a:effectRef idx="3">
-            <a:schemeClr val="accent3"/>
-          </a:effectRef>
-          <a:fontRef idx="minor">
-            <a:schemeClr val="lt1"/>
-          </a:fontRef>
-        </p:style>
-        <p:txBody>
-          <a:bodyPr rtlCol="0" anchor="ctr"/>
-          <a:lstStyle/>
-          <a:p>
-            <a:pPr algn="ctr"/>
-            <a:r>
-              <a:rPr lang="es-MX" sz="1100" dirty="0" smtClean="0"/>
               <a:t>Secuencia de Inicialización configurable</a:t>
             </a:r>
             <a:endParaRPr lang="es-MX" sz="1100" dirty="0"/>
@@ -5751,7 +5738,7 @@
         </p:nvSpPr>
         <p:spPr>
           <a:xfrm>
-            <a:off x="3357554" y="3786190"/>
+            <a:off x="4857752" y="3786190"/>
             <a:ext cx="1071570" cy="428628"/>
           </a:xfrm>
           <a:prstGeom prst="roundRect">
@@ -5880,8 +5867,8 @@
         </p:nvCxnSpPr>
         <p:spPr>
           <a:xfrm>
-            <a:off x="1500166" y="2857496"/>
-            <a:ext cx="285752" cy="1588"/>
+            <a:off x="1357290" y="2857496"/>
+            <a:ext cx="428628" cy="1588"/>
           </a:xfrm>
           <a:prstGeom prst="bentConnector3">
             <a:avLst>
@@ -6070,52 +6057,14 @@
         </p:nvCxnSpPr>
         <p:spPr>
           <a:xfrm flipH="1">
-            <a:off x="500034" y="2857496"/>
-            <a:ext cx="8286808" cy="1143008"/>
+            <a:off x="357158" y="2857496"/>
+            <a:ext cx="8429684" cy="1143008"/>
           </a:xfrm>
           <a:prstGeom prst="bentConnector5">
             <a:avLst>
-              <a:gd name="adj1" fmla="val -2759"/>
+              <a:gd name="adj1" fmla="val -2712"/>
               <a:gd name="adj2" fmla="val 50000"/>
-              <a:gd name="adj3" fmla="val 102759"/>
-            </a:avLst>
-          </a:prstGeom>
-          <a:ln>
-            <a:tailEnd type="arrow"/>
-          </a:ln>
-        </p:spPr>
-        <p:style>
-          <a:lnRef idx="1">
-            <a:schemeClr val="accent1"/>
-          </a:lnRef>
-          <a:fillRef idx="0">
-            <a:schemeClr val="accent1"/>
-          </a:fillRef>
-          <a:effectRef idx="0">
-            <a:schemeClr val="accent1"/>
-          </a:effectRef>
-          <a:fontRef idx="minor">
-            <a:schemeClr val="tx1"/>
-          </a:fontRef>
-        </p:style>
-      </p:cxnSp>
-      <p:cxnSp>
-        <p:nvCxnSpPr>
-          <p:cNvPr id="28" name="Elbow Connector 27"/>
-          <p:cNvCxnSpPr>
-            <a:stCxn id="8" idx="3"/>
-            <a:endCxn id="9" idx="1"/>
-          </p:cNvCxnSpPr>
-          <p:nvPr/>
-        </p:nvCxnSpPr>
-        <p:spPr>
-          <a:xfrm>
-            <a:off x="1571604" y="4000504"/>
-            <a:ext cx="357190" cy="1588"/>
-          </a:xfrm>
-          <a:prstGeom prst="bentConnector3">
-            <a:avLst>
-              <a:gd name="adj1" fmla="val 50000"/>
+              <a:gd name="adj3" fmla="val 102712"/>
             </a:avLst>
           </a:prstGeom>
           <a:ln>
@@ -6148,7 +6097,7 @@
         </p:nvCxnSpPr>
         <p:spPr>
           <a:xfrm>
-            <a:off x="3000364" y="4000504"/>
+            <a:off x="4500562" y="4000504"/>
             <a:ext cx="357190" cy="1588"/>
           </a:xfrm>
           <a:prstGeom prst="bentConnector3">
@@ -6186,7 +6135,7 @@
         </p:nvCxnSpPr>
         <p:spPr>
           <a:xfrm>
-            <a:off x="4429124" y="4000504"/>
+            <a:off x="5929322" y="4000504"/>
             <a:ext cx="357190" cy="1588"/>
           </a:xfrm>
           <a:prstGeom prst="bentConnector3">
@@ -6221,7 +6170,7 @@
         </p:nvSpPr>
         <p:spPr>
           <a:xfrm>
-            <a:off x="500034" y="1357298"/>
+            <a:off x="357158" y="1357298"/>
             <a:ext cx="1000132" cy="571504"/>
           </a:xfrm>
           <a:prstGeom prst="roundRect">
@@ -6291,11 +6240,7 @@
             <a:pPr algn="ctr"/>
             <a:r>
               <a:rPr lang="es-MX" sz="1100" dirty="0" smtClean="0"/>
-              <a:t>Preparación </a:t>
-            </a:r>
-            <a:r>
-              <a:rPr lang="es-MX" sz="1100" dirty="0" smtClean="0"/>
-              <a:t>APP Server</a:t>
+              <a:t>Preparación APP Server</a:t>
             </a:r>
             <a:endParaRPr lang="es-MX" sz="1100" dirty="0"/>
           </a:p>
@@ -6396,8 +6341,8 @@
         </p:nvCxnSpPr>
         <p:spPr>
           <a:xfrm>
-            <a:off x="1500166" y="1643050"/>
-            <a:ext cx="285752" cy="1588"/>
+            <a:off x="1357290" y="1643050"/>
+            <a:ext cx="428628" cy="1588"/>
           </a:xfrm>
           <a:prstGeom prst="bentConnector3">
             <a:avLst>
@@ -6510,14 +6455,14 @@
         </p:nvCxnSpPr>
         <p:spPr>
           <a:xfrm flipH="1">
-            <a:off x="500034" y="1643050"/>
-            <a:ext cx="5357850" cy="1214446"/>
+            <a:off x="357158" y="1643050"/>
+            <a:ext cx="5500726" cy="1214446"/>
           </a:xfrm>
           <a:prstGeom prst="bentConnector5">
             <a:avLst>
-              <a:gd name="adj1" fmla="val -4267"/>
+              <a:gd name="adj1" fmla="val -4156"/>
               <a:gd name="adj2" fmla="val 50000"/>
-              <a:gd name="adj3" fmla="val 104267"/>
+              <a:gd name="adj3" fmla="val 104156"/>
             </a:avLst>
           </a:prstGeom>
           <a:ln>
@@ -6547,7 +6492,7 @@
         </p:nvSpPr>
         <p:spPr>
           <a:xfrm>
-            <a:off x="4786314" y="3786190"/>
+            <a:off x="6286512" y="3786190"/>
             <a:ext cx="1071570" cy="428628"/>
           </a:xfrm>
           <a:prstGeom prst="roundRect">
@@ -6589,7 +6534,7 @@
         </p:nvSpPr>
         <p:spPr>
           <a:xfrm>
-            <a:off x="6215074" y="3786190"/>
+            <a:off x="7715272" y="3786190"/>
             <a:ext cx="1071570" cy="428628"/>
           </a:xfrm>
           <a:prstGeom prst="roundRect">
@@ -6641,7 +6586,7 @@
         </p:nvCxnSpPr>
         <p:spPr>
           <a:xfrm>
-            <a:off x="5857884" y="4000504"/>
+            <a:off x="7358082" y="4000504"/>
             <a:ext cx="357190" cy="1588"/>
           </a:xfrm>
           <a:prstGeom prst="bentConnector3">
@@ -6676,7 +6621,7 @@
         </p:nvSpPr>
         <p:spPr>
           <a:xfrm>
-            <a:off x="7715272" y="3786190"/>
+            <a:off x="357158" y="4714884"/>
             <a:ext cx="1071570" cy="428628"/>
           </a:xfrm>
           <a:prstGeom prst="roundRect">
@@ -6731,13 +6676,15 @@
           <p:nvPr/>
         </p:nvCxnSpPr>
         <p:spPr>
-          <a:xfrm>
-            <a:off x="7286644" y="4000504"/>
-            <a:ext cx="428628" cy="1588"/>
-          </a:xfrm>
-          <a:prstGeom prst="bentConnector3">
+          <a:xfrm flipH="1">
+            <a:off x="357158" y="4000504"/>
+            <a:ext cx="8429684" cy="928694"/>
+          </a:xfrm>
+          <a:prstGeom prst="bentConnector5">
             <a:avLst>
-              <a:gd name="adj1" fmla="val 50000"/>
+              <a:gd name="adj1" fmla="val -2712"/>
+              <a:gd name="adj2" fmla="val 50000"/>
+              <a:gd name="adj3" fmla="val 102712"/>
             </a:avLst>
           </a:prstGeom>
           <a:ln>
@@ -6769,15 +6716,13 @@
           <p:nvPr/>
         </p:nvCxnSpPr>
         <p:spPr>
-          <a:xfrm flipH="1">
-            <a:off x="500034" y="4000504"/>
-            <a:ext cx="8286808" cy="928694"/>
-          </a:xfrm>
-          <a:prstGeom prst="bentConnector5">
+          <a:xfrm>
+            <a:off x="1428728" y="4929198"/>
+            <a:ext cx="642942" cy="1588"/>
+          </a:xfrm>
+          <a:prstGeom prst="bentConnector3">
             <a:avLst>
-              <a:gd name="adj1" fmla="val -2759"/>
-              <a:gd name="adj2" fmla="val 50000"/>
-              <a:gd name="adj3" fmla="val 102759"/>
+              <a:gd name="adj1" fmla="val 50000"/>
             </a:avLst>
           </a:prstGeom>
           <a:ln>
@@ -7011,7 +6956,7 @@
         </p:nvSpPr>
         <p:spPr>
           <a:xfrm>
-            <a:off x="2143108" y="4643446"/>
+            <a:off x="3857620" y="4643446"/>
             <a:ext cx="1285884" cy="571504"/>
           </a:xfrm>
           <a:prstGeom prst="roundRect">
@@ -7039,7 +6984,7 @@
             <a:pPr algn="ctr"/>
             <a:r>
               <a:rPr lang="es-MX" sz="1100" dirty="0" smtClean="0"/>
-              <a:t>Implementación en campo</a:t>
+              <a:t>Integración con Hardware</a:t>
             </a:r>
             <a:endParaRPr lang="es-MX" sz="1100" dirty="0"/>
           </a:p>
@@ -7053,7 +6998,7 @@
         </p:nvSpPr>
         <p:spPr>
           <a:xfrm>
-            <a:off x="500034" y="4714884"/>
+            <a:off x="2071670" y="4714884"/>
             <a:ext cx="1214446" cy="428628"/>
           </a:xfrm>
           <a:prstGeom prst="roundRect">
@@ -7080,14 +7025,10 @@
           <a:p>
             <a:pPr algn="ctr"/>
             <a:r>
-              <a:rPr lang="es-MX" sz="1100" dirty="0" smtClean="0"/>
-              <a:t>Administrador de </a:t>
-            </a:r>
-            <a:r>
-              <a:rPr lang="es-MX" sz="1100" dirty="0" smtClean="0"/>
-              <a:t>reservaciones</a:t>
-            </a:r>
-            <a:endParaRPr lang="es-MX" sz="1100" dirty="0"/>
+              <a:rPr lang="es-MX" sz="1100" u="sng" dirty="0" smtClean="0"/>
+              <a:t>Administrador de reservaciones</a:t>
+            </a:r>
+            <a:endParaRPr lang="es-MX" sz="1100" u="sng" dirty="0"/>
           </a:p>
         </p:txBody>
       </p:sp>
@@ -7102,8 +7043,368 @@
         </p:nvCxnSpPr>
         <p:spPr>
           <a:xfrm>
-            <a:off x="1714480" y="4929198"/>
-            <a:ext cx="428628" cy="1588"/>
+            <a:off x="3286116" y="4929198"/>
+            <a:ext cx="571504" cy="1588"/>
+          </a:xfrm>
+          <a:prstGeom prst="bentConnector3">
+            <a:avLst>
+              <a:gd name="adj1" fmla="val 50000"/>
+            </a:avLst>
+          </a:prstGeom>
+          <a:ln>
+            <a:tailEnd type="arrow"/>
+          </a:ln>
+        </p:spPr>
+        <p:style>
+          <a:lnRef idx="1">
+            <a:schemeClr val="accent1"/>
+          </a:lnRef>
+          <a:fillRef idx="0">
+            <a:schemeClr val="accent1"/>
+          </a:fillRef>
+          <a:effectRef idx="0">
+            <a:schemeClr val="accent1"/>
+          </a:effectRef>
+          <a:fontRef idx="minor">
+            <a:schemeClr val="tx1"/>
+          </a:fontRef>
+        </p:style>
+      </p:cxnSp>
+      <p:sp>
+        <p:nvSpPr>
+          <p:cNvPr id="46" name="Rounded Rectangle 94"/>
+          <p:cNvSpPr/>
+          <p:nvPr/>
+        </p:nvSpPr>
+        <p:spPr>
+          <a:xfrm>
+            <a:off x="5857884" y="4643446"/>
+            <a:ext cx="1285884" cy="571504"/>
+          </a:xfrm>
+          <a:prstGeom prst="roundRect">
+            <a:avLst/>
+          </a:prstGeom>
+        </p:spPr>
+        <p:style>
+          <a:lnRef idx="0">
+            <a:schemeClr val="accent2"/>
+          </a:lnRef>
+          <a:fillRef idx="3">
+            <a:schemeClr val="accent2"/>
+          </a:fillRef>
+          <a:effectRef idx="3">
+            <a:schemeClr val="accent2"/>
+          </a:effectRef>
+          <a:fontRef idx="minor">
+            <a:schemeClr val="lt1"/>
+          </a:fontRef>
+        </p:style>
+        <p:txBody>
+          <a:bodyPr rtlCol="0" anchor="ctr"/>
+          <a:lstStyle/>
+          <a:p>
+            <a:pPr algn="ctr"/>
+            <a:r>
+              <a:rPr lang="es-MX" sz="1100" dirty="0" smtClean="0"/>
+              <a:t>Implementación en campo</a:t>
+            </a:r>
+            <a:endParaRPr lang="es-MX" sz="1100" dirty="0"/>
+          </a:p>
+        </p:txBody>
+      </p:sp>
+      <p:cxnSp>
+        <p:nvCxnSpPr>
+          <p:cNvPr id="49" name="48 Conector angular"/>
+          <p:cNvCxnSpPr>
+            <a:stCxn id="95" idx="3"/>
+            <a:endCxn id="46" idx="1"/>
+          </p:cNvCxnSpPr>
+          <p:nvPr/>
+        </p:nvCxnSpPr>
+        <p:spPr>
+          <a:xfrm>
+            <a:off x="5143504" y="4929198"/>
+            <a:ext cx="714380" cy="1588"/>
+          </a:xfrm>
+          <a:prstGeom prst="bentConnector3">
+            <a:avLst>
+              <a:gd name="adj1" fmla="val 50000"/>
+            </a:avLst>
+          </a:prstGeom>
+          <a:ln>
+            <a:tailEnd type="arrow"/>
+          </a:ln>
+        </p:spPr>
+        <p:style>
+          <a:lnRef idx="1">
+            <a:schemeClr val="accent1"/>
+          </a:lnRef>
+          <a:fillRef idx="0">
+            <a:schemeClr val="accent1"/>
+          </a:fillRef>
+          <a:effectRef idx="0">
+            <a:schemeClr val="accent1"/>
+          </a:effectRef>
+          <a:fontRef idx="minor">
+            <a:schemeClr val="tx1"/>
+          </a:fontRef>
+        </p:style>
+      </p:cxnSp>
+      <p:sp>
+        <p:nvSpPr>
+          <p:cNvPr id="53" name="Rounded Rectangle 94"/>
+          <p:cNvSpPr/>
+          <p:nvPr/>
+        </p:nvSpPr>
+        <p:spPr>
+          <a:xfrm>
+            <a:off x="7500958" y="4643446"/>
+            <a:ext cx="1285884" cy="571504"/>
+          </a:xfrm>
+          <a:prstGeom prst="roundRect">
+            <a:avLst/>
+          </a:prstGeom>
+        </p:spPr>
+        <p:style>
+          <a:lnRef idx="0">
+            <a:schemeClr val="accent2"/>
+          </a:lnRef>
+          <a:fillRef idx="3">
+            <a:schemeClr val="accent2"/>
+          </a:fillRef>
+          <a:effectRef idx="3">
+            <a:schemeClr val="accent2"/>
+          </a:effectRef>
+          <a:fontRef idx="minor">
+            <a:schemeClr val="lt1"/>
+          </a:fontRef>
+        </p:style>
+        <p:txBody>
+          <a:bodyPr rtlCol="0" anchor="ctr"/>
+          <a:lstStyle/>
+          <a:p>
+            <a:pPr algn="ctr"/>
+            <a:r>
+              <a:rPr lang="es-MX" sz="1100" dirty="0" smtClean="0"/>
+              <a:t>Control de Calidad y Pruebas</a:t>
+            </a:r>
+            <a:endParaRPr lang="es-MX" sz="1100" dirty="0"/>
+          </a:p>
+        </p:txBody>
+      </p:sp>
+      <p:sp>
+        <p:nvSpPr>
+          <p:cNvPr id="55" name="Rounded Rectangle 94"/>
+          <p:cNvSpPr/>
+          <p:nvPr/>
+        </p:nvSpPr>
+        <p:spPr>
+          <a:xfrm>
+            <a:off x="357158" y="5500702"/>
+            <a:ext cx="1285884" cy="571504"/>
+          </a:xfrm>
+          <a:prstGeom prst="roundRect">
+            <a:avLst/>
+          </a:prstGeom>
+        </p:spPr>
+        <p:style>
+          <a:lnRef idx="0">
+            <a:schemeClr val="accent2"/>
+          </a:lnRef>
+          <a:fillRef idx="3">
+            <a:schemeClr val="accent2"/>
+          </a:fillRef>
+          <a:effectRef idx="3">
+            <a:schemeClr val="accent2"/>
+          </a:effectRef>
+          <a:fontRef idx="minor">
+            <a:schemeClr val="lt1"/>
+          </a:fontRef>
+        </p:style>
+        <p:txBody>
+          <a:bodyPr rtlCol="0" anchor="ctr"/>
+          <a:lstStyle/>
+          <a:p>
+            <a:pPr algn="ctr"/>
+            <a:r>
+              <a:rPr lang="es-MX" sz="1100" dirty="0" err="1" smtClean="0"/>
+              <a:t>Release</a:t>
+            </a:r>
+            <a:endParaRPr lang="es-MX" sz="1100" dirty="0"/>
+          </a:p>
+        </p:txBody>
+      </p:sp>
+      <p:cxnSp>
+        <p:nvCxnSpPr>
+          <p:cNvPr id="58" name="57 Conector angular"/>
+          <p:cNvCxnSpPr>
+            <a:stCxn id="46" idx="3"/>
+            <a:endCxn id="53" idx="1"/>
+          </p:cNvCxnSpPr>
+          <p:nvPr/>
+        </p:nvCxnSpPr>
+        <p:spPr>
+          <a:xfrm>
+            <a:off x="7143768" y="4929198"/>
+            <a:ext cx="357190" cy="1588"/>
+          </a:xfrm>
+          <a:prstGeom prst="bentConnector3">
+            <a:avLst>
+              <a:gd name="adj1" fmla="val 50000"/>
+            </a:avLst>
+          </a:prstGeom>
+          <a:ln>
+            <a:tailEnd type="arrow"/>
+          </a:ln>
+        </p:spPr>
+        <p:style>
+          <a:lnRef idx="1">
+            <a:schemeClr val="accent1"/>
+          </a:lnRef>
+          <a:fillRef idx="0">
+            <a:schemeClr val="accent1"/>
+          </a:fillRef>
+          <a:effectRef idx="0">
+            <a:schemeClr val="accent1"/>
+          </a:effectRef>
+          <a:fontRef idx="minor">
+            <a:schemeClr val="tx1"/>
+          </a:fontRef>
+        </p:style>
+      </p:cxnSp>
+      <p:cxnSp>
+        <p:nvCxnSpPr>
+          <p:cNvPr id="61" name="60 Conector angular"/>
+          <p:cNvCxnSpPr>
+            <a:stCxn id="53" idx="3"/>
+            <a:endCxn id="55" idx="1"/>
+          </p:cNvCxnSpPr>
+          <p:nvPr/>
+        </p:nvCxnSpPr>
+        <p:spPr>
+          <a:xfrm flipH="1">
+            <a:off x="357158" y="4929198"/>
+            <a:ext cx="8429684" cy="857256"/>
+          </a:xfrm>
+          <a:prstGeom prst="bentConnector5">
+            <a:avLst>
+              <a:gd name="adj1" fmla="val -2712"/>
+              <a:gd name="adj2" fmla="val 50000"/>
+              <a:gd name="adj3" fmla="val 102712"/>
+            </a:avLst>
+          </a:prstGeom>
+          <a:ln>
+            <a:tailEnd type="arrow"/>
+          </a:ln>
+        </p:spPr>
+        <p:style>
+          <a:lnRef idx="1">
+            <a:schemeClr val="accent1"/>
+          </a:lnRef>
+          <a:fillRef idx="0">
+            <a:schemeClr val="accent1"/>
+          </a:fillRef>
+          <a:effectRef idx="0">
+            <a:schemeClr val="accent1"/>
+          </a:effectRef>
+          <a:fontRef idx="minor">
+            <a:schemeClr val="tx1"/>
+          </a:fontRef>
+        </p:style>
+      </p:cxnSp>
+      <p:sp>
+        <p:nvSpPr>
+          <p:cNvPr id="70" name="Rounded Rectangle 8"/>
+          <p:cNvSpPr/>
+          <p:nvPr/>
+        </p:nvSpPr>
+        <p:spPr>
+          <a:xfrm>
+            <a:off x="2000232" y="3786190"/>
+            <a:ext cx="1143008" cy="428628"/>
+          </a:xfrm>
+          <a:prstGeom prst="roundRect">
+            <a:avLst/>
+          </a:prstGeom>
+        </p:spPr>
+        <p:style>
+          <a:lnRef idx="0">
+            <a:schemeClr val="accent6"/>
+          </a:lnRef>
+          <a:fillRef idx="3">
+            <a:schemeClr val="accent6"/>
+          </a:fillRef>
+          <a:effectRef idx="3">
+            <a:schemeClr val="accent6"/>
+          </a:effectRef>
+          <a:fontRef idx="minor">
+            <a:schemeClr val="lt1"/>
+          </a:fontRef>
+        </p:style>
+        <p:txBody>
+          <a:bodyPr rtlCol="0" anchor="ctr"/>
+          <a:lstStyle/>
+          <a:p>
+            <a:pPr algn="ctr"/>
+            <a:r>
+              <a:rPr lang="es-MX" sz="1100" dirty="0" smtClean="0"/>
+              <a:t>Procesamiento de pagos</a:t>
+            </a:r>
+            <a:endParaRPr lang="es-MX" sz="1100" dirty="0" smtClean="0"/>
+          </a:p>
+        </p:txBody>
+      </p:sp>
+      <p:cxnSp>
+        <p:nvCxnSpPr>
+          <p:cNvPr id="72" name="71 Conector angular"/>
+          <p:cNvCxnSpPr>
+            <a:stCxn id="8" idx="3"/>
+            <a:endCxn id="70" idx="1"/>
+          </p:cNvCxnSpPr>
+          <p:nvPr/>
+        </p:nvCxnSpPr>
+        <p:spPr>
+          <a:xfrm>
+            <a:off x="1428728" y="4000504"/>
+            <a:ext cx="571504" cy="1588"/>
+          </a:xfrm>
+          <a:prstGeom prst="bentConnector3">
+            <a:avLst>
+              <a:gd name="adj1" fmla="val 50000"/>
+            </a:avLst>
+          </a:prstGeom>
+          <a:ln>
+            <a:tailEnd type="arrow"/>
+          </a:ln>
+        </p:spPr>
+        <p:style>
+          <a:lnRef idx="1">
+            <a:schemeClr val="accent1"/>
+          </a:lnRef>
+          <a:fillRef idx="0">
+            <a:schemeClr val="accent1"/>
+          </a:fillRef>
+          <a:effectRef idx="0">
+            <a:schemeClr val="accent1"/>
+          </a:effectRef>
+          <a:fontRef idx="minor">
+            <a:schemeClr val="tx1"/>
+          </a:fontRef>
+        </p:style>
+      </p:cxnSp>
+      <p:cxnSp>
+        <p:nvCxnSpPr>
+          <p:cNvPr id="74" name="73 Conector angular"/>
+          <p:cNvCxnSpPr>
+            <a:stCxn id="70" idx="3"/>
+            <a:endCxn id="9" idx="1"/>
+          </p:cNvCxnSpPr>
+          <p:nvPr/>
+        </p:nvCxnSpPr>
+        <p:spPr>
+          <a:xfrm>
+            <a:off x="3143240" y="4000504"/>
+            <a:ext cx="285752" cy="1588"/>
           </a:xfrm>
           <a:prstGeom prst="bentConnector3">
             <a:avLst>
